--- a/프로젝트 문서/논문자료/디지털 취약계층을 위한 키오스크 간편주문 모듈개발.pptx
+++ b/프로젝트 문서/논문자료/디지털 취약계층을 위한 키오스크 간편주문 모듈개발.pptx
@@ -3571,7 +3571,7 @@
           </a:bodyPr>
           <a:lstStyle/>
           <a:p>
-            <a:pPr algn="just" fontAlgn="base" latinLnBrk="1"/>
+            <a:pPr fontAlgn="base" latinLnBrk="1"/>
             <a:r>
               <a:rPr lang="en-US" altLang="ko-KR" b="1" spc="-100" dirty="0"/>
               <a:t>  </a:t>
@@ -3590,7 +3590,7 @@
             </a:r>
             <a:r>
               <a:rPr lang="ko-KR" altLang="en-US" b="1" dirty="0"/>
-              <a:t>차 산업관련분야 시장은 매년 성장하고 있으며</a:t>
+              <a:t>차 산업 관련분야 시장은 매년 성장하고 있으며</a:t>
             </a:r>
             <a:r>
               <a:rPr lang="en-US" altLang="ko-KR" b="1" dirty="0"/>
@@ -3598,11 +3598,19 @@
             </a:r>
             <a:r>
               <a:rPr lang="ko-KR" altLang="en-US" b="1" dirty="0"/>
-              <a:t>특히 우리 생활에서 가장 흔하게 볼 수 있는 핵심 분야인 무인화 서비스 시장은 매년 비약적인 성장을 이루고 있으며 그중 각 분야의 매장에서는 높아진 인건비에 대한 해결책으로 키오스크를 사용함으로써 키오스크 시장은 국내시장 추이 </a:t>
+              <a:t>특히 우리 생활에서 가장 흔하게 볼 수 있는 핵심 분야인 무인화 서비스 시장은 매년 비약적인 성장을 이루고 있다</a:t>
             </a:r>
             <a:r>
               <a:rPr lang="en-US" altLang="ko-KR" b="1" dirty="0"/>
-              <a:t>3000</a:t>
+              <a:t>. </a:t>
+            </a:r>
+            <a:r>
+              <a:rPr lang="ko-KR" altLang="en-US" b="1" dirty="0"/>
+              <a:t>그중 각 분야의 매장에서는 높아진 인건비에 대한 해결책으로 키오스크를 사용함으로써 키오스크 시장은 국내시장 추이 </a:t>
+            </a:r>
+            <a:r>
+              <a:rPr lang="en-US" altLang="ko-KR" b="1" dirty="0"/>
+              <a:t>3,000</a:t>
             </a:r>
             <a:r>
               <a:rPr lang="ko-KR" altLang="en-US" b="1" dirty="0"/>
@@ -3610,7 +3618,7 @@
             </a:r>
             <a:r>
               <a:rPr lang="en-US" altLang="ko-KR" b="1" dirty="0"/>
-              <a:t>13.9%</a:t>
+              <a:t>13.9% </a:t>
             </a:r>
             <a:r>
               <a:rPr lang="ko-KR" altLang="en-US" b="1" dirty="0"/>
@@ -3620,6 +3628,7 @@
               <a:rPr lang="en-US" altLang="ko-KR" b="1" dirty="0"/>
               <a:t>.</a:t>
             </a:r>
+            <a:endParaRPr lang="ko-KR" altLang="en-US" b="1" dirty="0"/>
           </a:p>
           <a:p>
             <a:pPr algn="just" fontAlgn="base" latinLnBrk="1"/>
@@ -3644,12 +3653,8 @@
               <a:t>, </a:t>
             </a:r>
             <a:r>
-              <a:rPr lang="ko-KR" altLang="en-US" b="1" dirty="0" err="1"/>
-              <a:t>전시장등</a:t>
-            </a:r>
-            <a:r>
               <a:rPr lang="ko-KR" altLang="en-US" b="1" dirty="0"/>
-              <a:t> 큰 규모의 서비스 목적으로의 활용부터 소매상점</a:t>
+              <a:t>전시장 등 큰 규모의 서비스 목적으로의 활용부터 소매상점</a:t>
             </a:r>
             <a:r>
               <a:rPr lang="en-US" altLang="ko-KR" b="1" dirty="0"/>
@@ -3657,15 +3662,7 @@
             </a:r>
             <a:r>
               <a:rPr lang="ko-KR" altLang="en-US" b="1" dirty="0"/>
-              <a:t>브랜드 </a:t>
-            </a:r>
-            <a:r>
-              <a:rPr lang="ko-KR" altLang="en-US" b="1" dirty="0" err="1"/>
-              <a:t>매장등</a:t>
-            </a:r>
-            <a:r>
-              <a:rPr lang="ko-KR" altLang="en-US" b="1" dirty="0"/>
-              <a:t> 판매 목적을 위한 오프라인 매장에서의 활용까지 다양한 목적으로 서비스 및 사용되고 있다</a:t>
+              <a:t>브랜드 매장 등 판매 목적을 위한 오프라인 매장에서의 활용까지 다양한 목적으로 서비스 및 사용되고 있다</a:t>
             </a:r>
             <a:r>
               <a:rPr lang="en-US" altLang="ko-KR" b="1" dirty="0"/>
@@ -3691,17 +3688,17 @@
           </a:p>
           <a:p>
             <a:pPr fontAlgn="base" latinLnBrk="1"/>
-            <a:endParaRPr lang="ko-KR" altLang="en-US" dirty="0"/>
+            <a:endParaRPr lang="ko-KR" altLang="en-US" b="1" dirty="0"/>
           </a:p>
           <a:p>
             <a:pPr fontAlgn="base" latinLnBrk="1"/>
             <a:r>
               <a:rPr lang="ko-KR" altLang="en-US" b="1" spc="-100" dirty="0"/>
-              <a:t> </a:t>
+              <a:t>  그</a:t>
             </a:r>
             <a:r>
               <a:rPr lang="ko-KR" altLang="en-US" b="1" dirty="0"/>
-              <a:t>그러나 시장의 발전에도 불구하고 키오스크의 실제 사용은 키오스크의 보급률에 비해 낮은 수준이며 서비스의 제공 대상도 제한적이다</a:t>
+              <a:t>러나 시장의 발전에도 불구하고 키오스크의 실제 사용은 키오스크의 보급률에 비해 낮은 수준이며 서비스의 제공 대상도 제한적이다</a:t>
             </a:r>
             <a:r>
               <a:rPr lang="en-US" altLang="ko-KR" b="1" dirty="0"/>
@@ -3717,23 +3714,15 @@
             </a:r>
             <a:r>
               <a:rPr lang="ko-KR" altLang="en-US" b="1" dirty="0"/>
-              <a:t>이러한 생산 방안은 일반 이용자의 입장에서 다양한 매장을 방문 시에 일관성 없는 인터페이스를 가진 기기의 사용방안을 즉각적으로 이해하고 활용하는데 ‘키오스크 사용경험’</a:t>
+              <a:t>이러한 생산 방안은 일반 이용자의 입장에서 다양한 매장을 방문 시에 일관성 없는 인터페이스를 가진 기기의 사용방안을 즉각적으로 이해하고 활용하는데 ‘ 키오스크 사용경험 ’</a:t>
             </a:r>
             <a:r>
               <a:rPr lang="en-US" altLang="ko-KR" b="1" dirty="0"/>
-              <a:t>, ‘</a:t>
+              <a:t>, ‘ </a:t>
             </a:r>
             <a:r>
               <a:rPr lang="ko-KR" altLang="en-US" b="1" dirty="0"/>
-              <a:t>연령층에 따른 디지털 기기 </a:t>
-            </a:r>
-            <a:r>
-              <a:rPr lang="ko-KR" altLang="en-US" b="1" dirty="0" err="1"/>
-              <a:t>이해도’에</a:t>
-            </a:r>
-            <a:r>
-              <a:rPr lang="ko-KR" altLang="en-US" b="1" dirty="0"/>
-              <a:t> 따라 기기 사용이 익숙하지 않은 경우 기기의 활용이 불가 하거나 어려움을 야기하며 직원을 부르거나 주문에 걸리는 시간이 비약적으로 증가하는 등 무인화와 빠른 주문이라는 키오스크의 본래 목적에 어긋나게 되는 결과를 부를 수 있다</a:t>
+              <a:t>연령층에 따른 디지털 기기 이해도 ’ 에 따라 기기 사용이 익숙하지 않은 경우 기기의 활용이 불가 하거나 어려움을 야기하며 직원을 부르거나 주문에 걸리는 시간이 비약적으로 증가하는 등 무인화와 빠른 주문이라는 키오스크의 본래 목적에 어긋나게 되는 결과를 부를 수 있다</a:t>
             </a:r>
             <a:r>
               <a:rPr lang="en-US" altLang="ko-KR" b="1" dirty="0"/>
@@ -3749,15 +3738,7 @@
             </a:r>
             <a:r>
               <a:rPr lang="ko-KR" altLang="en-US" b="1" dirty="0"/>
-              <a:t>대 연령층의 이용자의 경우에는 현재 보급되고 있는 키오스크의 다양한 서비스와 인터페이스에 즉각적으로 반응하여 본인이 원하는 기능을 사용할 수 있는 반면 상대적으로 이러한 디지털 기기의 발전에 민감하지 못한 장년층 및 </a:t>
-            </a:r>
-            <a:r>
-              <a:rPr lang="ko-KR" altLang="en-US" b="1" dirty="0" err="1"/>
-              <a:t>고령층등의</a:t>
-            </a:r>
-            <a:r>
-              <a:rPr lang="ko-KR" altLang="en-US" b="1" dirty="0"/>
-              <a:t> 디지털 취약 계층은 각각의 매장에 보급되어 있는 기기들의 서로 다른 다양한 인터페이스와 추가 서비스를 위한 기능들을 이해하기 어려워 무인 기기가 보급된 매장방문을 꺼려하고 사회적 참여도가 떨어지는 현상을 보이고 있다</a:t>
+              <a:t>대 연령층 이용자의 경우에는 현재 보급되고 있는 키오스크의 다양한 서비스와 인터페이스에 즉각적으로 반응하여 본인이 원하는 기능을 사용할 수 있지만 상대적으로 이러한 디지털 기기의 발전에 민감하지 못한 장년층 및 고령층 등의 디지털 취약 계층은 각각의 매장에 보급된 기기들의 서로 다른 다양한 인터페이스와 추가 서비스를 위한 기능들을 이해하기 어려워 무인 기기가 보급된 매장방문을 꺼리고 사회적 참여도가 떨어지는 현상을 보인다</a:t>
             </a:r>
             <a:r>
               <a:rPr lang="en-US" altLang="ko-KR" b="1" dirty="0"/>
@@ -4224,10 +4205,6 @@
           <a:p>
             <a:pPr fontAlgn="base" latinLnBrk="1"/>
             <a:r>
-              <a:rPr lang="ko-KR" altLang="en-US" b="1" spc="-100" dirty="0"/>
-              <a:t> </a:t>
-            </a:r>
-            <a:r>
               <a:rPr lang="ko-KR" altLang="en-US" b="1" dirty="0"/>
               <a:t>이 같은 문제를 바탕으로 기존의 키오스크 사용에 있어 </a:t>
             </a:r>
@@ -4261,15 +4238,7 @@
             </a:r>
             <a:r>
               <a:rPr lang="ko-KR" altLang="en-US" b="1" dirty="0"/>
-              <a:t>고령층에게 서비스가 제한 될 수밖에 없으며 실제로 많은 조사 결과에서 하나의 사회적 문제로서 ‘디지털 취약계층의 키오스크 사용을 위한 해결책이 </a:t>
-            </a:r>
-            <a:r>
-              <a:rPr lang="ko-KR" altLang="en-US" b="1" dirty="0" err="1"/>
-              <a:t>필요하다’고</a:t>
-            </a:r>
-            <a:r>
-              <a:rPr lang="ko-KR" altLang="en-US" b="1" dirty="0"/>
-              <a:t> 말하고 있다</a:t>
+              <a:t>고령층에게 서비스가 제한 될 수밖에 없으며 실제로 많은 조사 결과에서 하나의 사회적 문제로서 ‘디지털 취약계층의 키오스크 사용을 위한 해결책이 필요하다’ 고 말하고 있다</a:t>
             </a:r>
             <a:r>
               <a:rPr lang="en-US" altLang="ko-KR" b="1" dirty="0"/>
@@ -4407,8 +4376,8 @@
         </p:nvSpPr>
         <p:spPr>
           <a:xfrm>
-            <a:off x="1021977" y="25478106"/>
-            <a:ext cx="4236288" cy="707886"/>
+            <a:off x="16538213" y="24466051"/>
+            <a:ext cx="5163593" cy="707886"/>
           </a:xfrm>
           <a:prstGeom prst="rect">
             <a:avLst/>
@@ -4422,7 +4391,7 @@
           <a:lstStyle/>
           <a:p>
             <a:r>
-              <a:rPr lang="en-US" altLang="ko-KR" sz="4000" b="1" dirty="0">
+              <a:rPr lang="ko-KR" altLang="en-US" sz="4000" b="1" dirty="0">
                 <a:ln>
                   <a:solidFill>
                     <a:prstClr val="white">
@@ -4437,87 +4406,8 @@
                 <a:ea typeface="나눔스퀘어 ExtraBold" panose="020B0600000101010101" pitchFamily="50" charset="-127"/>
                 <a:cs typeface="+mj-cs"/>
               </a:rPr>
-              <a:t>Packet Data Test</a:t>
-            </a:r>
-            <a:endParaRPr lang="ko-KR" altLang="en-US" sz="4000" b="1" dirty="0">
-              <a:ln>
-                <a:solidFill>
-                  <a:prstClr val="white">
-                    <a:alpha val="10000"/>
-                  </a:prstClr>
-                </a:solidFill>
-              </a:ln>
-              <a:solidFill>
-                <a:srgbClr val="820000"/>
-              </a:solidFill>
-              <a:latin typeface="나눔스퀘어 ExtraBold" panose="020B0600000101010101" pitchFamily="50" charset="-127"/>
-              <a:ea typeface="나눔스퀘어 ExtraBold" panose="020B0600000101010101" pitchFamily="50" charset="-127"/>
-              <a:cs typeface="+mj-cs"/>
-            </a:endParaRPr>
-          </a:p>
-        </p:txBody>
-      </p:sp>
-      <p:sp>
-        <p:nvSpPr>
-          <p:cNvPr id="85" name="TextBox 84">
-            <a:extLst>
-              <a:ext uri="{FF2B5EF4-FFF2-40B4-BE49-F238E27FC236}">
-                <a16:creationId xmlns:a16="http://schemas.microsoft.com/office/drawing/2014/main" id="{66AFC800-71D3-4636-BA28-E1D220633539}"/>
-              </a:ext>
-            </a:extLst>
-          </p:cNvPr>
-          <p:cNvSpPr txBox="1"/>
-          <p:nvPr/>
-        </p:nvSpPr>
-        <p:spPr>
-          <a:xfrm>
-            <a:off x="17082999" y="24559958"/>
-            <a:ext cx="6264664" cy="707886"/>
-          </a:xfrm>
-          <a:prstGeom prst="rect">
-            <a:avLst/>
-          </a:prstGeom>
-          <a:noFill/>
-        </p:spPr>
-        <p:txBody>
-          <a:bodyPr wrap="none" rtlCol="0">
-            <a:spAutoFit/>
-          </a:bodyPr>
-          <a:lstStyle/>
-          <a:p>
-            <a:r>
-              <a:rPr lang="en-US" altLang="ko-KR" sz="4000" b="1" dirty="0">
-                <a:ln>
-                  <a:solidFill>
-                    <a:prstClr val="white">
-                      <a:alpha val="10000"/>
-                    </a:prstClr>
-                  </a:solidFill>
-                </a:ln>
-                <a:solidFill>
-                  <a:srgbClr val="820000"/>
-                </a:solidFill>
-                <a:latin typeface="나눔스퀘어 ExtraBold" panose="020B0600000101010101" pitchFamily="50" charset="-127"/>
-                <a:ea typeface="나눔스퀘어 ExtraBold" panose="020B0600000101010101" pitchFamily="50" charset="-127"/>
-                <a:cs typeface="+mj-cs"/>
-              </a:rPr>
-              <a:t>Android Application Test</a:t>
-            </a:r>
-            <a:endParaRPr lang="ko-KR" altLang="en-US" sz="4000" b="1" dirty="0">
-              <a:ln>
-                <a:solidFill>
-                  <a:prstClr val="white">
-                    <a:alpha val="10000"/>
-                  </a:prstClr>
-                </a:solidFill>
-              </a:ln>
-              <a:solidFill>
-                <a:srgbClr val="820000"/>
-              </a:solidFill>
-              <a:latin typeface="나눔스퀘어 ExtraBold" panose="020B0600000101010101" pitchFamily="50" charset="-127"/>
-              <a:ea typeface="나눔스퀘어 ExtraBold" panose="020B0600000101010101" pitchFamily="50" charset="-127"/>
-              <a:cs typeface="+mj-cs"/>
-            </a:endParaRPr>
+              <a:t>필드테스트 진행 결과</a:t>
+            </a:r>
           </a:p>
         </p:txBody>
       </p:sp>
@@ -4616,31 +4506,7 @@
             <a:pPr fontAlgn="base" latinLnBrk="1"/>
             <a:r>
               <a:rPr lang="ko-KR" altLang="en-US" sz="2400" b="1" dirty="0"/>
-              <a:t> 무인 기기의 표준 부재와 키오스크 시장의 성장 가속화로 각 기업들의 독자 개발 제품이 다양화되고 </a:t>
-            </a:r>
-            <a:r>
-              <a:rPr lang="ko-KR" altLang="en-US" sz="2400" b="1" dirty="0" err="1"/>
-              <a:t>제공하고자하는</a:t>
-            </a:r>
-            <a:r>
-              <a:rPr lang="ko-KR" altLang="en-US" sz="2400" b="1" dirty="0"/>
-              <a:t> 매장에 초점을 맞춰 커스터마이징 되어 일관된 사용 환경을 제공하지 못했으며 기능 위주의 개발이 이루어져 제품의 사용성이 더 복잡해지는 상황에서 발생한 디지털 소외계층이라는 하나의 사회적 문제를 디지털 취약계층이 사용하기 편리하도록 간편 </a:t>
-            </a:r>
-            <a:r>
-              <a:rPr lang="ko-KR" altLang="en-US" sz="2400" b="1" dirty="0" err="1"/>
-              <a:t>주문모듈을</a:t>
-            </a:r>
-            <a:r>
-              <a:rPr lang="ko-KR" altLang="en-US" sz="2400" b="1" dirty="0"/>
-              <a:t> 개발하여 해결방안을 </a:t>
-            </a:r>
-            <a:r>
-              <a:rPr lang="ko-KR" altLang="en-US" sz="2400" b="1" dirty="0" err="1"/>
-              <a:t>제시함으로서</a:t>
-            </a:r>
-            <a:r>
-              <a:rPr lang="ko-KR" altLang="en-US" sz="2400" b="1" dirty="0"/>
-              <a:t> 작은 </a:t>
+              <a:t>인 기기의 표준 부재와 키오스크 시장의 성장 가속화로 각 기업들의 독자 개발 제품이 다양화되고 제공하고자 하는 매장에 초점을 맞춰 커스터마이징 되어 일관된 사용 환경을 제공하지 못했으며 기능 위주의 개발이 이루어져 제품의 사용성이 더 복잡해지는 상황에서 발생한 디지털 취약계층이라는 하나의 사회적 문제를 디지털 취약계층이 사용하기 편리하도록 간편 주문 모듈을 개발하여 해결방안을 제시함으로써 작은 </a:t>
             </a:r>
             <a:r>
               <a:rPr lang="en-US" altLang="ko-KR" sz="2400" b="1" dirty="0"/>
@@ -4661,14 +4527,6 @@
             <a:r>
               <a:rPr lang="en-US" altLang="ko-KR" sz="2400" b="1" dirty="0"/>
               <a:t>.</a:t>
-            </a:r>
-            <a:endParaRPr lang="ko-KR" altLang="en-US" sz="2400" b="1" dirty="0"/>
-          </a:p>
-          <a:p>
-            <a:pPr fontAlgn="base" latinLnBrk="1"/>
-            <a:r>
-              <a:rPr lang="en-US" altLang="ko-KR" sz="2400" b="1" dirty="0"/>
-              <a:t> </a:t>
             </a:r>
             <a:endParaRPr lang="ko-KR" altLang="en-US" sz="2400" b="1" dirty="0"/>
           </a:p>
@@ -4776,19 +4634,8 @@
                 <a:latin typeface="+mj-ea"/>
                 <a:ea typeface="+mj-ea"/>
               </a:rPr>
-              <a:t>디지털 취약계층의 키오스크 사용 활성화를 위한 간편 </a:t>
-            </a:r>
-            <a:r>
-              <a:rPr lang="ko-KR" altLang="en-US" sz="3600" b="1" dirty="0" err="1">
-                <a:latin typeface="+mj-ea"/>
-                <a:ea typeface="+mj-ea"/>
-              </a:rPr>
-              <a:t>주문모듈개발</a:t>
-            </a:r>
-            <a:endParaRPr lang="ko-KR" altLang="en-US" sz="3600" b="1" dirty="0">
-              <a:latin typeface="+mj-ea"/>
-              <a:ea typeface="+mj-ea"/>
-            </a:endParaRPr>
+              <a:t>디지털 취약계층의 키오스크 사용 활성화를 위한 간편 주문 모듈 개발</a:t>
+            </a:r>
           </a:p>
         </p:txBody>
       </p:sp>
@@ -5449,75 +5296,6 @@
       </p:pic>
       <p:sp>
         <p:nvSpPr>
-          <p:cNvPr id="6" name="Rectangle 16">
-            <a:extLst>
-              <a:ext uri="{FF2B5EF4-FFF2-40B4-BE49-F238E27FC236}">
-                <a16:creationId xmlns:a16="http://schemas.microsoft.com/office/drawing/2014/main" id="{6BD4A0F6-8B05-4804-A910-A71B82110226}"/>
-              </a:ext>
-            </a:extLst>
-          </p:cNvPr>
-          <p:cNvSpPr>
-            <a:spLocks noChangeArrowheads="1"/>
-          </p:cNvSpPr>
-          <p:nvPr/>
-        </p:nvSpPr>
-        <p:spPr bwMode="auto">
-          <a:xfrm>
-            <a:off x="25545306" y="11987693"/>
-            <a:ext cx="32399288" cy="457200"/>
-          </a:xfrm>
-          <a:prstGeom prst="rect">
-            <a:avLst/>
-          </a:prstGeom>
-          <a:noFill/>
-          <a:ln>
-            <a:noFill/>
-          </a:ln>
-          <a:effectLst/>
-          <a:extLst>
-            <a:ext uri="{909E8E84-426E-40DD-AFC4-6F175D3DCCD1}">
-              <a14:hiddenFill xmlns:a14="http://schemas.microsoft.com/office/drawing/2010/main">
-                <a:solidFill>
-                  <a:schemeClr val="accent1"/>
-                </a:solidFill>
-              </a14:hiddenFill>
-            </a:ext>
-            <a:ext uri="{91240B29-F687-4F45-9708-019B960494DF}">
-              <a14:hiddenLine xmlns:a14="http://schemas.microsoft.com/office/drawing/2010/main" w="9525">
-                <a:solidFill>
-                  <a:schemeClr val="tx1"/>
-                </a:solidFill>
-                <a:miter lim="800000"/>
-                <a:headEnd/>
-                <a:tailEnd/>
-              </a14:hiddenLine>
-            </a:ext>
-            <a:ext uri="{AF507438-7753-43E0-B8FC-AC1667EBCBE1}">
-              <a14:hiddenEffects xmlns:a14="http://schemas.microsoft.com/office/drawing/2010/main">
-                <a:effectLst>
-                  <a:outerShdw dist="35921" dir="2700000" algn="ctr" rotWithShape="0">
-                    <a:schemeClr val="bg2"/>
-                  </a:outerShdw>
-                </a:effectLst>
-              </a14:hiddenEffects>
-            </a:ext>
-          </a:extLst>
-        </p:spPr>
-        <p:txBody>
-          <a:bodyPr vert="horz" wrap="none" lIns="91440" tIns="45720" rIns="91440" bIns="45720" numCol="1" anchor="ctr" anchorCtr="0" compatLnSpc="1">
-            <a:prstTxWarp prst="textNoShape">
-              <a:avLst/>
-            </a:prstTxWarp>
-            <a:spAutoFit/>
-          </a:bodyPr>
-          <a:lstStyle/>
-          <a:p>
-            <a:endParaRPr lang="ko-KR" altLang="en-US"/>
-          </a:p>
-        </p:txBody>
-      </p:sp>
-      <p:sp>
-        <p:nvSpPr>
           <p:cNvPr id="63" name="TextBox 62">
             <a:extLst>
               <a:ext uri="{FF2B5EF4-FFF2-40B4-BE49-F238E27FC236}">
@@ -5621,6 +5399,10 @@
               <a:rPr lang="en-US" altLang="ko-KR" b="1" dirty="0"/>
               <a:t>. </a:t>
             </a:r>
+            <a:endParaRPr lang="ko-KR" altLang="en-US" b="1" dirty="0"/>
+          </a:p>
+          <a:p>
+            <a:pPr fontAlgn="base" latinLnBrk="1"/>
             <a:endParaRPr lang="ko-KR" altLang="en-US" b="1" dirty="0"/>
           </a:p>
           <a:p>
@@ -5942,7 +5724,7 @@
             <a:pPr fontAlgn="base" latinLnBrk="1"/>
             <a:r>
               <a:rPr lang="ko-KR" altLang="en-US" sz="2400" b="1" dirty="0"/>
-              <a:t> 현재의 키오스크 시장이 끊임없이 발전하는 만큼 새로운 기술과 문화에 대한 노년층들의 접근이 더욱 쉽지 않을 것이다</a:t>
+              <a:t>현재의 키오스크 시장이 끊임없이 발전하는 만큼 새로운 기술과 문화에 대한 노년층들의 접근이 더욱 쉽지 않을 것이다</a:t>
             </a:r>
             <a:r>
               <a:rPr lang="en-US" altLang="ko-KR" sz="2400" b="1" dirty="0"/>
@@ -5950,7 +5732,7 @@
             </a:r>
             <a:r>
               <a:rPr lang="ko-KR" altLang="en-US" sz="2400" b="1" dirty="0"/>
-              <a:t>고령자를 위한 키오스크 사용교육 등의 프로그램 또한 시</a:t>
+              <a:t>고령자를 위한 키오스크 사용 교육 등의 프로그램 또한 시</a:t>
             </a:r>
             <a:r>
               <a:rPr lang="en-US" altLang="ko-KR" sz="2400" b="1" dirty="0"/>
@@ -5958,15 +5740,7 @@
             </a:r>
             <a:r>
               <a:rPr lang="ko-KR" altLang="en-US" sz="2400" b="1" dirty="0"/>
-              <a:t>도에서 시행을 하고 있지만 이는 따로 교육을 시행해야 한다는 </a:t>
-            </a:r>
-            <a:r>
-              <a:rPr lang="en-US" altLang="ko-KR" sz="2400" b="1" dirty="0"/>
-              <a:t>2</a:t>
-            </a:r>
-            <a:r>
-              <a:rPr lang="ko-KR" altLang="en-US" sz="2400" b="1" dirty="0"/>
-              <a:t>차적인 불편함을 벗어날 수 없다</a:t>
+              <a:t>도에서 시행하고 있지만 이는 따로 교육을 시행해야 한다는 이차적인 불편함을 벗어날 수 없다</a:t>
             </a:r>
             <a:r>
               <a:rPr lang="en-US" altLang="ko-KR" sz="2400" b="1" dirty="0"/>
@@ -5974,7 +5748,7 @@
             </a:r>
             <a:r>
               <a:rPr lang="ko-KR" altLang="en-US" sz="2400" b="1" dirty="0"/>
-              <a:t>때문에 고령자들이 키오스크의 사용에 있어 어려워하는 그 본질인 키오스크 자체를 고령자가 좀 더 편하고 직관적으로 사용할 수 있도록 바뀌어야 한다</a:t>
+              <a:t>그 때문에 고령자들이 키오스크의 사용에 있어 어려워하는 그 본질인 키오스크 자체를 고령자가 좀 더 편하고 직관적으로 사용할 수 있도록 바뀌어야 한다</a:t>
             </a:r>
             <a:r>
               <a:rPr lang="en-US" altLang="ko-KR" sz="2400" b="1" dirty="0"/>
@@ -6064,7 +5838,7 @@
             <a:pPr fontAlgn="base" latinLnBrk="1"/>
             <a:r>
               <a:rPr lang="ko-KR" altLang="en-US" sz="2400" b="1" dirty="0"/>
-              <a:t>  고령자의 키오스크 사용에 있어 존재해온 기기 사용에 대한 기본 지식 및 화면에 대한 즉각적인 반응 부족으로 인해 발생했던 어려움을 해결하고 다양한 지원기능을 통해 더욱 편리하고 빠른 인지 및 습득을 유도하여 키오스크의 본래 목적인 ‘주문 시간의 </a:t>
+              <a:t>고령자의 키오스크 사용에 있어 존재해온 기기 사용에 대한 기본 지식 및 화면에 대한 즉각적인 반응 부족으로 인해 발생했던 어려움을 해결하고 다양한 지원기능을 통해 더욱 편리하고 빠른 인지 및 습득을 유도하여 키오스크의 본래 목적인 ‘주문 시간의 </a:t>
             </a:r>
             <a:r>
               <a:rPr lang="ko-KR" altLang="en-US" sz="2400" b="1" dirty="0" err="1"/>
@@ -6094,10 +5868,6 @@
               <a:rPr lang="en-US" altLang="ko-KR" sz="2400" b="1" dirty="0"/>
               <a:t>.</a:t>
             </a:r>
-            <a:endParaRPr lang="ko-KR" altLang="en-US" sz="2400" b="1" dirty="0"/>
-          </a:p>
-          <a:p>
-            <a:pPr fontAlgn="base" latinLnBrk="1"/>
             <a:endParaRPr lang="ko-KR" altLang="en-US" sz="2400" b="1" dirty="0"/>
           </a:p>
         </p:txBody>
@@ -6182,7 +5952,7 @@
             <a:pPr fontAlgn="base" latinLnBrk="1"/>
             <a:r>
               <a:rPr lang="ko-KR" altLang="en-US" sz="2400" b="1" dirty="0"/>
-              <a:t> 앞으로의 키오스크 제품에 있어 고령자 또한 사용에 어려움이 없도록 설계하는데 하나의 표준이자 가이드를 제공 할 수 있으며 다양한 보조기능의 적용이 접목 가능성을 확인하고 키오스크와 관련된 하나의 사회적 문제를 해결하는데 기여할 수 있다고 판단된다</a:t>
+              <a:t>앞으로의 키오스크 제품에 있어 고령자 또한 사용에 어려움이 없도록 설계하는데 하나의 표준이자 가이드를 제공할 수 있으며 다양한 보조기능의 적용이 접목 가능성을 확인하고 키오스크와 관련된 하나의 사회적 문제를 해결하는데 기여할 수 있다고 판단된다</a:t>
             </a:r>
             <a:r>
               <a:rPr lang="en-US" altLang="ko-KR" sz="2400" b="1" dirty="0"/>
@@ -6241,6 +6011,433 @@
           </a:p>
         </p:txBody>
       </p:sp>
+      <p:pic>
+        <p:nvPicPr>
+          <p:cNvPr id="8" name="그림 7" descr="스크린샷, 모니터, 화면, 검은색이(가) 표시된 사진&#10;&#10;자동 생성된 설명">
+            <a:extLst>
+              <a:ext uri="{FF2B5EF4-FFF2-40B4-BE49-F238E27FC236}">
+                <a16:creationId xmlns:a16="http://schemas.microsoft.com/office/drawing/2014/main" id="{705FE4EC-64DB-4E2D-9DA4-C45F5A66DE5F}"/>
+              </a:ext>
+            </a:extLst>
+          </p:cNvPr>
+          <p:cNvPicPr>
+            <a:picLocks noChangeAspect="1"/>
+          </p:cNvPicPr>
+          <p:nvPr/>
+        </p:nvPicPr>
+        <p:blipFill>
+          <a:blip r:embed="rId13">
+            <a:extLst>
+              <a:ext uri="{28A0092B-C50C-407E-A947-70E740481C1C}">
+                <a14:useLocalDpi xmlns:a14="http://schemas.microsoft.com/office/drawing/2010/main" val="0"/>
+              </a:ext>
+            </a:extLst>
+          </a:blip>
+          <a:stretch>
+            <a:fillRect/>
+          </a:stretch>
+        </p:blipFill>
+        <p:spPr>
+          <a:xfrm>
+            <a:off x="1230329" y="26385040"/>
+            <a:ext cx="5453086" cy="3511360"/>
+          </a:xfrm>
+          <a:prstGeom prst="rect">
+            <a:avLst/>
+          </a:prstGeom>
+        </p:spPr>
+      </p:pic>
+      <p:pic>
+        <p:nvPicPr>
+          <p:cNvPr id="10" name="그림 9" descr="모니터, 스크린샷, 앉아있는, 화면이(가) 표시된 사진&#10;&#10;자동 생성된 설명">
+            <a:extLst>
+              <a:ext uri="{FF2B5EF4-FFF2-40B4-BE49-F238E27FC236}">
+                <a16:creationId xmlns:a16="http://schemas.microsoft.com/office/drawing/2014/main" id="{51625892-BBB6-4929-8E9A-10DC40509D13}"/>
+              </a:ext>
+            </a:extLst>
+          </p:cNvPr>
+          <p:cNvPicPr>
+            <a:picLocks noChangeAspect="1"/>
+          </p:cNvPicPr>
+          <p:nvPr/>
+        </p:nvPicPr>
+        <p:blipFill>
+          <a:blip r:embed="rId14">
+            <a:extLst>
+              <a:ext uri="{28A0092B-C50C-407E-A947-70E740481C1C}">
+                <a14:useLocalDpi xmlns:a14="http://schemas.microsoft.com/office/drawing/2010/main" val="0"/>
+              </a:ext>
+            </a:extLst>
+          </a:blip>
+          <a:stretch>
+            <a:fillRect/>
+          </a:stretch>
+        </p:blipFill>
+        <p:spPr>
+          <a:xfrm>
+            <a:off x="11758433" y="25617195"/>
+            <a:ext cx="7888908" cy="5236918"/>
+          </a:xfrm>
+          <a:prstGeom prst="rect">
+            <a:avLst/>
+          </a:prstGeom>
+        </p:spPr>
+      </p:pic>
+      <p:pic>
+        <p:nvPicPr>
+          <p:cNvPr id="12" name="그림 11" descr="화면, 모니터, 검은색, 앉아있는이(가) 표시된 사진&#10;&#10;자동 생성된 설명">
+            <a:extLst>
+              <a:ext uri="{FF2B5EF4-FFF2-40B4-BE49-F238E27FC236}">
+                <a16:creationId xmlns:a16="http://schemas.microsoft.com/office/drawing/2014/main" id="{EDBA8327-AFF9-429B-A0A0-0CB4A09AEDFB}"/>
+              </a:ext>
+            </a:extLst>
+          </p:cNvPr>
+          <p:cNvPicPr>
+            <a:picLocks noChangeAspect="1"/>
+          </p:cNvPicPr>
+          <p:nvPr/>
+        </p:nvPicPr>
+        <p:blipFill>
+          <a:blip r:embed="rId15">
+            <a:extLst>
+              <a:ext uri="{28A0092B-C50C-407E-A947-70E740481C1C}">
+                <a14:useLocalDpi xmlns:a14="http://schemas.microsoft.com/office/drawing/2010/main" val="0"/>
+              </a:ext>
+            </a:extLst>
+          </a:blip>
+          <a:stretch>
+            <a:fillRect/>
+          </a:stretch>
+        </p:blipFill>
+        <p:spPr>
+          <a:xfrm>
+            <a:off x="21153360" y="25528357"/>
+            <a:ext cx="9949534" cy="5224725"/>
+          </a:xfrm>
+          <a:prstGeom prst="rect">
+            <a:avLst/>
+          </a:prstGeom>
+        </p:spPr>
+      </p:pic>
+      <p:sp>
+        <p:nvSpPr>
+          <p:cNvPr id="51" name="TextBox 50">
+            <a:extLst>
+              <a:ext uri="{FF2B5EF4-FFF2-40B4-BE49-F238E27FC236}">
+                <a16:creationId xmlns:a16="http://schemas.microsoft.com/office/drawing/2014/main" id="{EE0E16B8-75AB-48C0-8A56-5C73CD572A6F}"/>
+              </a:ext>
+            </a:extLst>
+          </p:cNvPr>
+          <p:cNvSpPr txBox="1"/>
+          <p:nvPr/>
+        </p:nvSpPr>
+        <p:spPr>
+          <a:xfrm>
+            <a:off x="1230329" y="30202371"/>
+            <a:ext cx="6126667" cy="1507162"/>
+          </a:xfrm>
+          <a:prstGeom prst="rect">
+            <a:avLst/>
+          </a:prstGeom>
+          <a:noFill/>
+        </p:spPr>
+        <p:txBody>
+          <a:bodyPr wrap="square" rtlCol="0">
+            <a:noAutofit/>
+          </a:bodyPr>
+          <a:lstStyle/>
+          <a:p>
+            <a:pPr fontAlgn="base" latinLnBrk="1"/>
+            <a:r>
+              <a:rPr lang="ko-KR" altLang="en-US" b="1" dirty="0"/>
+              <a:t>응답자 </a:t>
+            </a:r>
+            <a:r>
+              <a:rPr lang="en-US" altLang="ko-KR" b="1" dirty="0"/>
+              <a:t>11</a:t>
+            </a:r>
+            <a:r>
+              <a:rPr lang="ko-KR" altLang="en-US" b="1" dirty="0"/>
+              <a:t>명의 연령층은 </a:t>
+            </a:r>
+            <a:r>
+              <a:rPr lang="en-US" altLang="ko-KR" b="1" dirty="0"/>
+              <a:t>80</a:t>
+            </a:r>
+            <a:r>
+              <a:rPr lang="ko-KR" altLang="en-US" b="1" dirty="0"/>
+              <a:t>대</a:t>
+            </a:r>
+            <a:r>
+              <a:rPr lang="en-US" altLang="ko-KR" b="1" dirty="0"/>
+              <a:t>, 70</a:t>
+            </a:r>
+            <a:r>
+              <a:rPr lang="ko-KR" altLang="en-US" b="1" dirty="0"/>
+              <a:t>대</a:t>
+            </a:r>
+            <a:r>
+              <a:rPr lang="en-US" altLang="ko-KR" b="1" dirty="0"/>
+              <a:t>, 50</a:t>
+            </a:r>
+            <a:r>
+              <a:rPr lang="ko-KR" altLang="en-US" b="1" dirty="0"/>
+              <a:t>대가 응답하였고 </a:t>
+            </a:r>
+            <a:r>
+              <a:rPr lang="en-US" altLang="ko-KR" b="1" dirty="0"/>
+              <a:t>50</a:t>
+            </a:r>
+            <a:r>
+              <a:rPr lang="ko-KR" altLang="en-US" b="1" dirty="0"/>
+              <a:t>대는 대부분 키오스크 사용 경험이 있어 기존의 경험과 비교하여 평가를 진행하였으며 </a:t>
+            </a:r>
+            <a:r>
+              <a:rPr lang="en-US" altLang="ko-KR" b="1" dirty="0"/>
+              <a:t>80</a:t>
+            </a:r>
+            <a:r>
+              <a:rPr lang="ko-KR" altLang="en-US" b="1" dirty="0"/>
+              <a:t>대와 </a:t>
+            </a:r>
+            <a:r>
+              <a:rPr lang="en-US" altLang="ko-KR" b="1" dirty="0"/>
+              <a:t>70</a:t>
+            </a:r>
+            <a:r>
+              <a:rPr lang="ko-KR" altLang="en-US" b="1" dirty="0"/>
+              <a:t>대는 응답자 중 키오스크 사용경험이 없어 테스트를 통해 처음 경험해보는 경우가 대부분이었다</a:t>
+            </a:r>
+            <a:r>
+              <a:rPr lang="en-US" altLang="ko-KR" b="1" dirty="0"/>
+              <a:t>.</a:t>
+            </a:r>
+            <a:endParaRPr lang="ko-KR" altLang="en-US" b="1" dirty="0"/>
+          </a:p>
+        </p:txBody>
+      </p:sp>
+      <p:sp>
+        <p:nvSpPr>
+          <p:cNvPr id="53" name="TextBox 52">
+            <a:extLst>
+              <a:ext uri="{FF2B5EF4-FFF2-40B4-BE49-F238E27FC236}">
+                <a16:creationId xmlns:a16="http://schemas.microsoft.com/office/drawing/2014/main" id="{D6930861-9AC0-4117-81BE-01210A2509CB}"/>
+              </a:ext>
+            </a:extLst>
+          </p:cNvPr>
+          <p:cNvSpPr txBox="1"/>
+          <p:nvPr/>
+        </p:nvSpPr>
+        <p:spPr>
+          <a:xfrm>
+            <a:off x="11758433" y="31015920"/>
+            <a:ext cx="8963374" cy="1886504"/>
+          </a:xfrm>
+          <a:prstGeom prst="rect">
+            <a:avLst/>
+          </a:prstGeom>
+          <a:noFill/>
+        </p:spPr>
+        <p:txBody>
+          <a:bodyPr wrap="square" rtlCol="0">
+            <a:noAutofit/>
+          </a:bodyPr>
+          <a:lstStyle/>
+          <a:p>
+            <a:pPr fontAlgn="base" latinLnBrk="1"/>
+            <a:r>
+              <a:rPr lang="ko-KR" altLang="en-US" b="1" dirty="0"/>
+              <a:t>평가의 필수항목은 기존의 키오스크보다 ‘화면의 내용을 알아보기 </a:t>
+            </a:r>
+            <a:r>
+              <a:rPr lang="ko-KR" altLang="en-US" b="1" dirty="0" err="1"/>
+              <a:t>편한지</a:t>
+            </a:r>
+            <a:r>
+              <a:rPr lang="ko-KR" altLang="en-US" b="1" dirty="0"/>
+              <a:t>’</a:t>
+            </a:r>
+            <a:r>
+              <a:rPr lang="en-US" altLang="ko-KR" b="1" dirty="0"/>
+              <a:t>, ‘</a:t>
+            </a:r>
+            <a:r>
+              <a:rPr lang="ko-KR" altLang="en-US" b="1" dirty="0"/>
+              <a:t>조작에 어려움은 없는지’</a:t>
+            </a:r>
+            <a:r>
+              <a:rPr lang="en-US" altLang="ko-KR" b="1" dirty="0"/>
+              <a:t>, ‘</a:t>
+            </a:r>
+            <a:r>
+              <a:rPr lang="ko-KR" altLang="en-US" b="1" dirty="0"/>
+              <a:t>해당 기기를 통해 스스로 도움 없이 주문이 </a:t>
+            </a:r>
+            <a:r>
+              <a:rPr lang="ko-KR" altLang="en-US" b="1" dirty="0" err="1"/>
+              <a:t>가능한지’로</a:t>
+            </a:r>
+            <a:r>
+              <a:rPr lang="ko-KR" altLang="en-US" b="1" dirty="0"/>
+              <a:t> 전체적인 사용성에 있어서 기존보다 편리하고 스스로 주문이 가능한지에 대해 평가를 진행하였으며 전체적인 그래픽 요소와 </a:t>
+            </a:r>
+            <a:r>
+              <a:rPr lang="ko-KR" altLang="en-US" b="1" dirty="0" err="1"/>
+              <a:t>시안성</a:t>
+            </a:r>
+            <a:r>
+              <a:rPr lang="en-US" altLang="ko-KR" b="1" dirty="0"/>
+              <a:t>, </a:t>
+            </a:r>
+            <a:r>
+              <a:rPr lang="ko-KR" altLang="en-US" b="1" dirty="0"/>
+              <a:t>통일된 </a:t>
+            </a:r>
+            <a:r>
+              <a:rPr lang="ko-KR" altLang="en-US" b="1" dirty="0" err="1"/>
+              <a:t>조작성</a:t>
+            </a:r>
+            <a:r>
+              <a:rPr lang="ko-KR" altLang="en-US" b="1" dirty="0"/>
+              <a:t> 등에 대해 모든 연령층에서 만족한 모습을 보였으며 </a:t>
+            </a:r>
+            <a:r>
+              <a:rPr lang="en-US" altLang="ko-KR" b="1" dirty="0"/>
+              <a:t>7, 80</a:t>
+            </a:r>
+            <a:r>
+              <a:rPr lang="ko-KR" altLang="en-US" b="1" dirty="0"/>
+              <a:t>대의 연령층에서는 주문이 쉬워져도 기계를 사용하지 못하겠다는 의견이 일부 있었다</a:t>
+            </a:r>
+            <a:r>
+              <a:rPr lang="en-US" altLang="ko-KR" b="1" dirty="0"/>
+              <a:t>. </a:t>
+            </a:r>
+            <a:endParaRPr lang="ko-KR" altLang="en-US" b="1" dirty="0"/>
+          </a:p>
+        </p:txBody>
+      </p:sp>
+      <p:sp>
+        <p:nvSpPr>
+          <p:cNvPr id="55" name="TextBox 54">
+            <a:extLst>
+              <a:ext uri="{FF2B5EF4-FFF2-40B4-BE49-F238E27FC236}">
+                <a16:creationId xmlns:a16="http://schemas.microsoft.com/office/drawing/2014/main" id="{C21134E3-F89D-43AE-BEC6-E8FCC127A97F}"/>
+              </a:ext>
+            </a:extLst>
+          </p:cNvPr>
+          <p:cNvSpPr txBox="1"/>
+          <p:nvPr/>
+        </p:nvSpPr>
+        <p:spPr>
+          <a:xfrm>
+            <a:off x="21391849" y="30968000"/>
+            <a:ext cx="8963374" cy="1886504"/>
+          </a:xfrm>
+          <a:prstGeom prst="rect">
+            <a:avLst/>
+          </a:prstGeom>
+          <a:noFill/>
+        </p:spPr>
+        <p:txBody>
+          <a:bodyPr wrap="square" rtlCol="0">
+            <a:noAutofit/>
+          </a:bodyPr>
+          <a:lstStyle/>
+          <a:p>
+            <a:pPr fontAlgn="base" latinLnBrk="1"/>
+            <a:r>
+              <a:rPr lang="ko-KR" altLang="en-US" b="1" dirty="0"/>
+              <a:t>긍정적 의견이 나온 요소 중 각각의 세부 요소를 보면 전체적인 그래픽적 요소 및 일관성 있는 조작감을 대부분 선택 이유로 답변하였으며 음성을 활용한 주문 보조기능에서 ‘소리의 크기가 조금 더 크면 좋겠다</a:t>
+            </a:r>
+            <a:r>
+              <a:rPr lang="en-US" altLang="ko-KR" b="1" dirty="0"/>
+              <a:t>.’</a:t>
+            </a:r>
+            <a:r>
+              <a:rPr lang="ko-KR" altLang="en-US" b="1" dirty="0"/>
+              <a:t>라는 의견이 있었고 음성을 활용한 주문기능은 대부분의 응답자가 기능에 익숙하지 않아 일부만 사용하는 모습을 보였다</a:t>
+            </a:r>
+            <a:r>
+              <a:rPr lang="en-US" altLang="ko-KR" b="1" dirty="0"/>
+              <a:t>.</a:t>
+            </a:r>
+            <a:endParaRPr lang="ko-KR" altLang="en-US" b="1" dirty="0"/>
+          </a:p>
+        </p:txBody>
+      </p:sp>
+      <p:pic>
+        <p:nvPicPr>
+          <p:cNvPr id="15" name="그림 14" descr="사람, 실외, 남자, 휴대폰이(가) 표시된 사진&#10;&#10;자동 생성된 설명">
+            <a:extLst>
+              <a:ext uri="{FF2B5EF4-FFF2-40B4-BE49-F238E27FC236}">
+                <a16:creationId xmlns:a16="http://schemas.microsoft.com/office/drawing/2014/main" id="{6E01EABC-FBEF-4D24-BEEC-771848EDD565}"/>
+              </a:ext>
+            </a:extLst>
+          </p:cNvPr>
+          <p:cNvPicPr>
+            <a:picLocks noChangeAspect="1"/>
+          </p:cNvPicPr>
+          <p:nvPr/>
+        </p:nvPicPr>
+        <p:blipFill>
+          <a:blip r:embed="rId16" cstate="print">
+            <a:extLst>
+              <a:ext uri="{28A0092B-C50C-407E-A947-70E740481C1C}">
+                <a14:useLocalDpi xmlns:a14="http://schemas.microsoft.com/office/drawing/2010/main" val="0"/>
+              </a:ext>
+            </a:extLst>
+          </a:blip>
+          <a:stretch>
+            <a:fillRect/>
+          </a:stretch>
+        </p:blipFill>
+        <p:spPr>
+          <a:xfrm>
+            <a:off x="7856761" y="29296537"/>
+            <a:ext cx="3401907" cy="2551430"/>
+          </a:xfrm>
+          <a:prstGeom prst="rect">
+            <a:avLst/>
+          </a:prstGeom>
+        </p:spPr>
+      </p:pic>
+      <p:pic>
+        <p:nvPicPr>
+          <p:cNvPr id="17" name="그림 16" descr="사람, 앉아있는, 쥐고있는, 여자이(가) 표시된 사진&#10;&#10;자동 생성된 설명">
+            <a:extLst>
+              <a:ext uri="{FF2B5EF4-FFF2-40B4-BE49-F238E27FC236}">
+                <a16:creationId xmlns:a16="http://schemas.microsoft.com/office/drawing/2014/main" id="{2F63F90F-6EB7-4CEA-89AF-B2BAD24749D7}"/>
+              </a:ext>
+            </a:extLst>
+          </p:cNvPr>
+          <p:cNvPicPr>
+            <a:picLocks noChangeAspect="1"/>
+          </p:cNvPicPr>
+          <p:nvPr/>
+        </p:nvPicPr>
+        <p:blipFill>
+          <a:blip r:embed="rId17" cstate="print">
+            <a:extLst>
+              <a:ext uri="{28A0092B-C50C-407E-A947-70E740481C1C}">
+                <a14:useLocalDpi xmlns:a14="http://schemas.microsoft.com/office/drawing/2010/main" val="0"/>
+              </a:ext>
+            </a:extLst>
+          </a:blip>
+          <a:stretch>
+            <a:fillRect/>
+          </a:stretch>
+        </p:blipFill>
+        <p:spPr>
+          <a:xfrm>
+            <a:off x="7856761" y="26302372"/>
+            <a:ext cx="3401907" cy="2551430"/>
+          </a:xfrm>
+          <a:prstGeom prst="rect">
+            <a:avLst/>
+          </a:prstGeom>
+        </p:spPr>
+      </p:pic>
     </p:spTree>
     <p:extLst>
       <p:ext uri="{BB962C8B-B14F-4D97-AF65-F5344CB8AC3E}">
